--- a/assembly-programming/documents/mips-overview.pptx
+++ b/assembly-programming/documents/mips-overview.pptx
@@ -5360,10 +5360,9 @@
               <a:buChar char="●"/>
             </a:pPr>
             <a:r>
-              <a:rPr lang="en" sz="1225"/>
-              <a:t>System</a:t>
+              <a:rPr lang="en-US" sz="1600" dirty="0"/>
+              <a:t>General Purpose Registers</a:t>
             </a:r>
-            <a:endParaRPr sz="1225"/>
           </a:p>
           <a:p>
             <a:pPr marL="914400" lvl="1" indent="-290512" algn="l" rtl="0">
@@ -5380,10 +5379,9 @@
               <a:buChar char="○"/>
             </a:pPr>
             <a:r>
-              <a:rPr lang="en" sz="975"/>
-              <a:t>PC: Program Counter</a:t>
+              <a:rPr lang="en-US" sz="1050" dirty="0"/>
+              <a:t>32: 32-bit integer registers: $0..$31</a:t>
             </a:r>
-            <a:endParaRPr sz="975"/>
           </a:p>
           <a:p>
             <a:pPr marL="914400" lvl="1" indent="-290512" algn="l" rtl="0">
@@ -5400,10 +5398,32 @@
               <a:buChar char="○"/>
             </a:pPr>
             <a:r>
-              <a:rPr lang="en" sz="975"/>
-              <a:t>IR: Instruction Register</a:t>
+              <a:rPr lang="en-US" sz="1050" dirty="0"/>
+              <a:t>32: 32-bit floating point registers: $f0..$f31</a:t>
             </a:r>
-            <a:endParaRPr sz="975"/>
+            <a:br>
+              <a:rPr lang="en-US" sz="1050" dirty="0"/>
+            </a:br>
+            <a:endParaRPr lang="en-US" sz="1050" dirty="0"/>
+          </a:p>
+          <a:p>
+            <a:pPr marL="457200" lvl="0" indent="-306387" algn="l" rtl="0">
+              <a:lnSpc>
+                <a:spcPct val="95000"/>
+              </a:lnSpc>
+              <a:spcBef>
+                <a:spcPts val="0"/>
+              </a:spcBef>
+              <a:spcAft>
+                <a:spcPts val="0"/>
+              </a:spcAft>
+              <a:buSzPts val="1225"/>
+              <a:buChar char="●"/>
+            </a:pPr>
+            <a:r>
+              <a:rPr lang="en-US" sz="1600" dirty="0"/>
+              <a:t>Reserved Registers (Don't use!)</a:t>
+            </a:r>
           </a:p>
           <a:p>
             <a:pPr marL="914400" lvl="1" indent="-290512" algn="l" rtl="0">
@@ -5420,10 +5440,9 @@
               <a:buChar char="○"/>
             </a:pPr>
             <a:r>
-              <a:rPr lang="en" sz="975"/>
-              <a:t>BadVAddr: memory address where exception occurred</a:t>
+              <a:rPr lang="en-US" sz="1050" dirty="0"/>
+              <a:t>$at: reserved for the Assembler</a:t>
             </a:r>
-            <a:endParaRPr sz="975"/>
           </a:p>
           <a:p>
             <a:pPr marL="914400" lvl="1" indent="-290512" algn="l" rtl="0">
@@ -5440,17 +5459,17 @@
               <a:buChar char="○"/>
             </a:pPr>
             <a:r>
-              <a:rPr lang="en" sz="975"/>
-              <a:t>Status:  Interrupt mask, enable bits and status when exception</a:t>
+              <a:rPr lang="en-US" sz="1050" dirty="0"/>
+              <a:t>$</a:t>
             </a:r>
-            <a:br>
-              <a:rPr lang="en" sz="975"/>
-            </a:br>
             <a:r>
-              <a:rPr lang="en" sz="975"/>
-              <a:t>occurred</a:t>
+              <a:rPr lang="en-US" sz="1050" dirty="0" err="1"/>
+              <a:t>gp</a:t>
             </a:r>
-            <a:endParaRPr sz="975"/>
+            <a:r>
+              <a:rPr lang="en-US" sz="1050" dirty="0"/>
+              <a:t>: global pointer defined by the compiler </a:t>
+            </a:r>
           </a:p>
           <a:p>
             <a:pPr marL="914400" lvl="1" indent="-290512" algn="l" rtl="0">
@@ -5467,10 +5486,40 @@
               <a:buChar char="○"/>
             </a:pPr>
             <a:r>
-              <a:rPr lang="en" sz="975"/>
-              <a:t>Cause: Type of exception</a:t>
+              <a:rPr lang="en-US" sz="1050"/>
+              <a:t>$</a:t>
             </a:r>
-            <a:endParaRPr sz="975"/>
+            <a:r>
+              <a:rPr lang="en-US" sz="1050" dirty="0"/>
+              <a:t>k1, $k2: reserved for </a:t>
+            </a:r>
+            <a:r>
+              <a:rPr lang="en-US" sz="1050"/>
+              <a:t>the Kernel</a:t>
+            </a:r>
+            <a:br>
+              <a:rPr lang="en-US" sz="1050" dirty="0"/>
+            </a:br>
+            <a:endParaRPr lang="en-US" sz="1600" dirty="0"/>
+          </a:p>
+          <a:p>
+            <a:pPr marL="457200" lvl="0" indent="-306387" algn="l" rtl="0">
+              <a:lnSpc>
+                <a:spcPct val="95000"/>
+              </a:lnSpc>
+              <a:spcBef>
+                <a:spcPts val="0"/>
+              </a:spcBef>
+              <a:spcAft>
+                <a:spcPts val="0"/>
+              </a:spcAft>
+              <a:buSzPts val="1225"/>
+              <a:buChar char="●"/>
+            </a:pPr>
+            <a:r>
+              <a:rPr lang="en-US" sz="1600" dirty="0"/>
+              <a:t>System Registers</a:t>
+            </a:r>
           </a:p>
           <a:p>
             <a:pPr marL="914400" lvl="1" indent="-290512" algn="l" rtl="0">
@@ -5487,13 +5536,84 @@
               <a:buChar char="○"/>
             </a:pPr>
             <a:r>
-              <a:rPr lang="en" sz="975"/>
+              <a:rPr lang="en" sz="1050" dirty="0" err="1"/>
+              <a:t>BadVAddr</a:t>
+            </a:r>
+            <a:r>
+              <a:rPr lang="en" sz="1050" dirty="0"/>
+              <a:t>: memory address where exception occurred</a:t>
+            </a:r>
+            <a:endParaRPr sz="1050" dirty="0"/>
+          </a:p>
+          <a:p>
+            <a:pPr marL="914400" lvl="1" indent="-290512" algn="l" rtl="0">
+              <a:lnSpc>
+                <a:spcPct val="95000"/>
+              </a:lnSpc>
+              <a:spcBef>
+                <a:spcPts val="0"/>
+              </a:spcBef>
+              <a:spcAft>
+                <a:spcPts val="0"/>
+              </a:spcAft>
+              <a:buSzPts val="975"/>
+              <a:buChar char="○"/>
+            </a:pPr>
+            <a:r>
+              <a:rPr lang="en" sz="1050" dirty="0"/>
+              <a:t>Status:  Interrupt mask, enable bits and status when exception</a:t>
+            </a:r>
+            <a:br>
+              <a:rPr lang="en" sz="1050" dirty="0"/>
+            </a:br>
+            <a:r>
+              <a:rPr lang="en" sz="1050" dirty="0"/>
+              <a:t>occurred</a:t>
+            </a:r>
+            <a:endParaRPr sz="1050" dirty="0"/>
+          </a:p>
+          <a:p>
+            <a:pPr marL="914400" lvl="1" indent="-290512" algn="l" rtl="0">
+              <a:lnSpc>
+                <a:spcPct val="95000"/>
+              </a:lnSpc>
+              <a:spcBef>
+                <a:spcPts val="0"/>
+              </a:spcBef>
+              <a:spcAft>
+                <a:spcPts val="0"/>
+              </a:spcAft>
+              <a:buSzPts val="975"/>
+              <a:buChar char="○"/>
+            </a:pPr>
+            <a:r>
+              <a:rPr lang="en" sz="1050" dirty="0"/>
+              <a:t>Cause: Type of exception</a:t>
+            </a:r>
+            <a:endParaRPr sz="1050" dirty="0"/>
+          </a:p>
+          <a:p>
+            <a:pPr marL="914400" lvl="1" indent="-290512" algn="l" rtl="0">
+              <a:lnSpc>
+                <a:spcPct val="95000"/>
+              </a:lnSpc>
+              <a:spcBef>
+                <a:spcPts val="0"/>
+              </a:spcBef>
+              <a:spcAft>
+                <a:spcPts val="0"/>
+              </a:spcAft>
+              <a:buSzPts val="975"/>
+              <a:buChar char="○"/>
+            </a:pPr>
+            <a:r>
+              <a:rPr lang="en" sz="1050" dirty="0"/>
               <a:t>EPC:  Address of instruction that caused the exception</a:t>
             </a:r>
             <a:br>
-              <a:rPr lang="en" sz="975"/>
+              <a:rPr lang="en" sz="1050" dirty="0"/>
             </a:br>
-            <a:endParaRPr sz="975"/>
+            <a:endParaRPr sz="1050" dirty="0"/>
           </a:p>
           <a:p>
             <a:pPr marL="457200" lvl="0" indent="-306387" algn="l" rtl="0">
@@ -5510,10 +5630,10 @@
               <a:buChar char="●"/>
             </a:pPr>
             <a:r>
-              <a:rPr lang="en" sz="1225"/>
-              <a:t>Reserved (Don't use!)</a:t>
+              <a:rPr lang="en" sz="1600" dirty="0"/>
+              <a:t>Special Registers (Access via specific instructions)</a:t>
             </a:r>
-            <a:endParaRPr sz="1225"/>
+            <a:endParaRPr sz="1600" dirty="0"/>
           </a:p>
           <a:p>
             <a:pPr marL="914400" lvl="1" indent="-290512" algn="l" rtl="0">
@@ -5530,10 +5650,10 @@
               <a:buChar char="○"/>
             </a:pPr>
             <a:r>
-              <a:rPr lang="en" sz="975"/>
-              <a:t>$at: reserved for the Assembler</a:t>
+              <a:rPr lang="en" sz="1050" dirty="0"/>
+              <a:t>PC: program counter</a:t>
             </a:r>
-            <a:endParaRPr sz="975"/>
+            <a:endParaRPr sz="1050" dirty="0"/>
           </a:p>
           <a:p>
             <a:pPr marL="914400" lvl="1" indent="-290512" algn="l" rtl="0">
@@ -5550,93 +5670,10 @@
               <a:buChar char="○"/>
             </a:pPr>
             <a:r>
-              <a:rPr lang="en" sz="975"/>
-              <a:t>$k1, $k2: reserved for the Kernel</a:t>
-            </a:r>
-            <a:endParaRPr sz="975"/>
-          </a:p>
-          <a:p>
-            <a:pPr marL="914400" lvl="1" indent="-290512" algn="l" rtl="0">
-              <a:lnSpc>
-                <a:spcPct val="95000"/>
-              </a:lnSpc>
-              <a:spcBef>
-                <a:spcPts val="0"/>
-              </a:spcBef>
-              <a:spcAft>
-                <a:spcPts val="0"/>
-              </a:spcAft>
-              <a:buSzPts val="975"/>
-              <a:buChar char="○"/>
-            </a:pPr>
-            <a:r>
-              <a:rPr lang="en" sz="975"/>
-              <a:t>$gp: global pointer defined by the compiler</a:t>
-            </a:r>
-            <a:br>
-              <a:rPr lang="en" sz="975"/>
-            </a:br>
-            <a:endParaRPr sz="975"/>
-          </a:p>
-          <a:p>
-            <a:pPr marL="457200" lvl="0" indent="-306387" algn="l" rtl="0">
-              <a:lnSpc>
-                <a:spcPct val="95000"/>
-              </a:lnSpc>
-              <a:spcBef>
-                <a:spcPts val="0"/>
-              </a:spcBef>
-              <a:spcAft>
-                <a:spcPts val="0"/>
-              </a:spcAft>
-              <a:buSzPts val="1225"/>
-              <a:buChar char="●"/>
-            </a:pPr>
-            <a:r>
-              <a:rPr lang="en" sz="1225"/>
-              <a:t>Special (Access via specific instructions)</a:t>
-            </a:r>
-            <a:endParaRPr sz="1225"/>
-          </a:p>
-          <a:p>
-            <a:pPr marL="914400" lvl="1" indent="-290512" algn="l" rtl="0">
-              <a:lnSpc>
-                <a:spcPct val="95000"/>
-              </a:lnSpc>
-              <a:spcBef>
-                <a:spcPts val="0"/>
-              </a:spcBef>
-              <a:spcAft>
-                <a:spcPts val="0"/>
-              </a:spcAft>
-              <a:buSzPts val="975"/>
-              <a:buChar char="○"/>
-            </a:pPr>
-            <a:r>
-              <a:rPr lang="en" sz="975"/>
-              <a:t>PC: program counter</a:t>
-            </a:r>
-            <a:endParaRPr sz="975"/>
-          </a:p>
-          <a:p>
-            <a:pPr marL="914400" lvl="1" indent="-290512" algn="l" rtl="0">
-              <a:lnSpc>
-                <a:spcPct val="95000"/>
-              </a:lnSpc>
-              <a:spcBef>
-                <a:spcPts val="0"/>
-              </a:spcBef>
-              <a:spcAft>
-                <a:spcPts val="0"/>
-              </a:spcAft>
-              <a:buSzPts val="975"/>
-              <a:buChar char="○"/>
-            </a:pPr>
-            <a:r>
-              <a:rPr lang="en" sz="975"/>
+              <a:rPr lang="en" sz="1050" dirty="0"/>
               <a:t>hi, lo:  used double word results</a:t>
             </a:r>
-            <a:endParaRPr sz="975"/>
+            <a:endParaRPr sz="1050" dirty="0"/>
           </a:p>
           <a:p>
             <a:pPr marL="1371600" lvl="2" indent="-290512" algn="l" rtl="0">
@@ -5653,10 +5690,10 @@
               <a:buChar char="■"/>
             </a:pPr>
             <a:r>
-              <a:rPr lang="en" sz="975"/>
+              <a:rPr lang="en" sz="1050" dirty="0"/>
               <a:t>(hi, lo) = val1 * val2</a:t>
             </a:r>
-            <a:endParaRPr sz="975"/>
+            <a:endParaRPr sz="1050" dirty="0"/>
           </a:p>
           <a:p>
             <a:pPr marL="1371600" lvl="2" indent="-290512" algn="l" rtl="0">
@@ -5673,73 +5710,13 @@
               <a:buChar char="■"/>
             </a:pPr>
             <a:r>
-              <a:rPr lang="en" sz="975"/>
+              <a:rPr lang="en" sz="1050" dirty="0"/>
               <a:t>(hi, lo) = val1 % val2</a:t>
             </a:r>
             <a:br>
-              <a:rPr lang="en" sz="975"/>
+              <a:rPr lang="en" sz="1050" dirty="0"/>
             </a:br>
-            <a:endParaRPr sz="975"/>
-          </a:p>
-          <a:p>
-            <a:pPr marL="457200" lvl="0" indent="-306387" algn="l" rtl="0">
-              <a:lnSpc>
-                <a:spcPct val="95000"/>
-              </a:lnSpc>
-              <a:spcBef>
-                <a:spcPts val="0"/>
-              </a:spcBef>
-              <a:spcAft>
-                <a:spcPts val="0"/>
-              </a:spcAft>
-              <a:buSzPts val="1225"/>
-              <a:buChar char="●"/>
-            </a:pPr>
-            <a:r>
-              <a:rPr lang="en" sz="1225"/>
-              <a:t>General Purpose</a:t>
-            </a:r>
-            <a:endParaRPr sz="1225"/>
-          </a:p>
-          <a:p>
-            <a:pPr marL="914400" lvl="1" indent="-290512" algn="l" rtl="0">
-              <a:lnSpc>
-                <a:spcPct val="95000"/>
-              </a:lnSpc>
-              <a:spcBef>
-                <a:spcPts val="0"/>
-              </a:spcBef>
-              <a:spcAft>
-                <a:spcPts val="0"/>
-              </a:spcAft>
-              <a:buSzPts val="975"/>
-              <a:buChar char="○"/>
-            </a:pPr>
-            <a:r>
-              <a:rPr lang="en" sz="975"/>
-              <a:t>32 32-bit integer registers: $0..$31</a:t>
-            </a:r>
-            <a:endParaRPr sz="975"/>
-          </a:p>
-          <a:p>
-            <a:pPr marL="914400" lvl="1" indent="-290512" algn="l" rtl="0">
-              <a:lnSpc>
-                <a:spcPct val="95000"/>
-              </a:lnSpc>
-              <a:spcBef>
-                <a:spcPts val="0"/>
-              </a:spcBef>
-              <a:spcAft>
-                <a:spcPts val="0"/>
-              </a:spcAft>
-              <a:buSzPts val="975"/>
-              <a:buChar char="○"/>
-            </a:pPr>
-            <a:r>
-              <a:rPr lang="en" sz="975"/>
-              <a:t>32 32-bit floating point registers: $f0..$f31</a:t>
-            </a:r>
-            <a:endParaRPr sz="975"/>
+            <a:endParaRPr sz="1050" dirty="0"/>
           </a:p>
         </p:txBody>
       </p:sp>
@@ -5749,18 +5726,17 @@
           <p:cNvPicPr preferRelativeResize="0"/>
           <p:nvPr/>
         </p:nvPicPr>
-        <p:blipFill>
+        <p:blipFill rotWithShape="1">
           <a:blip r:embed="rId3">
             <a:alphaModFix/>
           </a:blip>
-          <a:stretch>
-            <a:fillRect/>
-          </a:stretch>
+          <a:srcRect l="5552" r="3550"/>
+          <a:stretch/>
         </p:blipFill>
         <p:spPr>
           <a:xfrm>
-            <a:off x="4889275" y="592800"/>
-            <a:ext cx="4205775" cy="4184626"/>
+            <a:off x="4701533" y="0"/>
+            <a:ext cx="4431841" cy="5143500"/>
           </a:xfrm>
           <a:prstGeom prst="rect">
             <a:avLst/>
